--- a/학교_School/3학년/모바일컴퓨팅(1)/실습과제/코르도바_웹앱 화면설계서.pptx
+++ b/학교_School/3학년/모바일컴퓨팅(1)/실습과제/코르도바_웹앱 화면설계서.pptx
@@ -5177,7 +5177,7 @@
           </a:ln>
           <a:extLst>
             <a:ext uri="{C572A759-6A51-4108-AA02-DFA0A04FC94B}">
-              <ma14:wrappingTextBoxFlag xmlns="" xmlns:m="http://schemas.openxmlformats.org/officeDocument/2006/math" xmlns:a14="http://schemas.microsoft.com/office/drawing/2010/main" xmlns:ma14="http://schemas.microsoft.com/office/mac/drawingml/2011/main" val="1"/>
+              <ma14:wrappingTextBoxFlag xmlns:ma14="http://schemas.microsoft.com/office/mac/drawingml/2011/main" xmlns:a14="http://schemas.microsoft.com/office/drawing/2010/main" xmlns:m="http://schemas.openxmlformats.org/officeDocument/2006/math" xmlns="" val="1"/>
             </a:ext>
           </a:extLst>
         </p:spPr>
@@ -5280,7 +5280,7 @@
           </a:ln>
           <a:extLst>
             <a:ext uri="{C572A759-6A51-4108-AA02-DFA0A04FC94B}">
-              <ma14:wrappingTextBoxFlag xmlns="" xmlns:m="http://schemas.openxmlformats.org/officeDocument/2006/math" xmlns:a14="http://schemas.microsoft.com/office/drawing/2010/main" xmlns:ma14="http://schemas.microsoft.com/office/mac/drawingml/2011/main" val="1"/>
+              <ma14:wrappingTextBoxFlag xmlns:ma14="http://schemas.microsoft.com/office/mac/drawingml/2011/main" xmlns:a14="http://schemas.microsoft.com/office/drawing/2010/main" xmlns:m="http://schemas.openxmlformats.org/officeDocument/2006/math" xmlns="" val="1"/>
             </a:ext>
           </a:extLst>
         </p:spPr>
@@ -5382,7 +5382,7 @@
           </a:ln>
           <a:extLst>
             <a:ext uri="{C572A759-6A51-4108-AA02-DFA0A04FC94B}">
-              <ma14:wrappingTextBoxFlag xmlns="" xmlns:m="http://schemas.openxmlformats.org/officeDocument/2006/math" xmlns:a14="http://schemas.microsoft.com/office/drawing/2010/main" xmlns:ma14="http://schemas.microsoft.com/office/mac/drawingml/2011/main" val="1"/>
+              <ma14:wrappingTextBoxFlag xmlns:ma14="http://schemas.microsoft.com/office/mac/drawingml/2011/main" xmlns:a14="http://schemas.microsoft.com/office/drawing/2010/main" xmlns:m="http://schemas.openxmlformats.org/officeDocument/2006/math" xmlns="" val="1"/>
             </a:ext>
           </a:extLst>
         </p:spPr>
@@ -7172,7 +7172,7 @@
           <p:nvPr>
             <p:extLst>
               <p:ext uri="{D42A27DB-BD31-4B8C-83A1-F6EECF244321}">
-                <p14:modId xmlns:p14="http://schemas.microsoft.com/office/powerpoint/2010/main" val="2501724276"/>
+                <p14:modId xmlns:p14="http://schemas.microsoft.com/office/powerpoint/2010/main" val="1812267233"/>
               </p:ext>
             </p:extLst>
           </p:nvPr>
@@ -7763,7 +7763,7 @@
                           <a:latin typeface="+mn-ea"/>
                           <a:ea typeface="+mn-ea"/>
                         </a:rPr>
-                        <a:t>해당 기획안의 구현을 통해 기대하는 바를 정량적으로 정리해주세요</a:t>
+                        <a:t>내가 자주 이용하는 역들의 정보만을 확인하기 쉽다</a:t>
                       </a:r>
                       <a:r>
                         <a:rPr lang="en-US" altLang="ko-KR" sz="900" dirty="0">
@@ -7792,7 +7792,27 @@
                           <a:latin typeface="+mn-ea"/>
                           <a:ea typeface="+mn-ea"/>
                         </a:rPr>
-                        <a:t>기대효과는 앞서 정리한 기획의 목적을 정량화 함을 의미합니다</a:t>
+                        <a:t>최대한 단순한 </a:t>
+                      </a:r>
+                      <a:r>
+                        <a:rPr lang="en-US" altLang="ko-KR" sz="900" dirty="0">
+                          <a:solidFill>
+                            <a:schemeClr val="tx1"/>
+                          </a:solidFill>
+                          <a:latin typeface="+mn-ea"/>
+                          <a:ea typeface="+mn-ea"/>
+                        </a:rPr>
+                        <a:t>UI</a:t>
+                      </a:r>
+                      <a:r>
+                        <a:rPr lang="ko-KR" altLang="en-US" sz="900" dirty="0">
+                          <a:solidFill>
+                            <a:schemeClr val="tx1"/>
+                          </a:solidFill>
+                          <a:latin typeface="+mn-ea"/>
+                          <a:ea typeface="+mn-ea"/>
+                        </a:rPr>
+                        <a:t>를 통해 쉽게 사용할 수 있다</a:t>
                       </a:r>
                       <a:r>
                         <a:rPr lang="en-US" altLang="ko-KR" sz="900" dirty="0">
